--- a/digital-logic/documents/.hidden/Introduction_to_Digitial.pptx
+++ b/digital-logic/documents/.hidden/Introduction_to_Digitial.pptx
@@ -20278,7 +20278,7 @@
         </p:nvSpPr>
         <p:spPr>
           <a:xfrm>
-            <a:off x="5489200" y="2334124"/>
+            <a:off x="5426800" y="4188530"/>
             <a:ext cx="3073800" cy="1854405"/>
           </a:xfrm>
           <a:prstGeom prst="rect">
@@ -20312,7 +20312,7 @@
               </a:spcAft>
               <a:buNone/>
             </a:pPr>
-            <a:endParaRPr/>
+            <a:endParaRPr dirty="0"/>
           </a:p>
         </p:txBody>
       </p:sp>
@@ -20324,7 +20324,7 @@
         </p:nvSpPr>
         <p:spPr>
           <a:xfrm>
-            <a:off x="562550" y="3234028"/>
+            <a:off x="-466875" y="4904244"/>
             <a:ext cx="4546800" cy="1854406"/>
           </a:xfrm>
           <a:prstGeom prst="rect">
@@ -25763,7 +25763,7 @@
         </p:nvSpPr>
         <p:spPr>
           <a:xfrm>
-            <a:off x="453471" y="2529175"/>
+            <a:off x="780050" y="4608012"/>
             <a:ext cx="6741000" cy="2039330"/>
           </a:xfrm>
           <a:prstGeom prst="rect">
@@ -34300,7 +34300,7 @@
         </p:nvSpPr>
         <p:spPr>
           <a:xfrm>
-            <a:off x="4736749" y="2374548"/>
+            <a:off x="5209429" y="342603"/>
             <a:ext cx="3719237" cy="1776186"/>
           </a:xfrm>
           <a:prstGeom prst="rect">
